--- a/SaaSy maps.pptx
+++ b/SaaSy maps.pptx
@@ -49699,7 +49699,9 @@
         </p:nvSpPr>
         <p:spPr/>
         <p:txBody>
-          <a:bodyPr/>
+          <a:bodyPr>
+            <a:normAutofit fontScale="92500"/>
+          </a:bodyPr>
           <a:lstStyle/>
           <a:p>
             <a:r>
@@ -49755,15 +49757,7 @@
           <a:p>
             <a:r>
               <a:rPr lang="en-GB" dirty="0" smtClean="0"/>
-              <a:t>We achieve this </a:t>
-            </a:r>
-            <a:r>
-              <a:rPr lang="en-GB" smtClean="0"/>
-              <a:t>by creating a </a:t>
-            </a:r>
-            <a:r>
-              <a:rPr lang="en-GB" dirty="0" smtClean="0"/>
-              <a:t>website that shows accident point locations for three different counties and brings up the associated attributes of </a:t>
+              <a:t>We achieve this by creating a website that shows accident point locations for three different counties and brings up the associated attributes of </a:t>
             </a:r>
             <a:r>
               <a:rPr lang="en-GB" dirty="0" err="1" smtClean="0"/>
@@ -49776,6 +49770,39 @@
             <a:r>
               <a:rPr lang="en-GB" dirty="0" err="1" smtClean="0"/>
               <a:t>number_of_vehicles</a:t>
+            </a:r>
+            <a:endParaRPr lang="en-GB" dirty="0" smtClean="0"/>
+          </a:p>
+          <a:p>
+            <a:r>
+              <a:rPr lang="en-GB" dirty="0" smtClean="0"/>
+              <a:t>Code and </a:t>
+            </a:r>
+            <a:r>
+              <a:rPr lang="en-GB"/>
+              <a:t>this presentation at </a:t>
+            </a:r>
+            <a:r>
+              <a:rPr lang="en-GB">
+                <a:hlinkClick r:id="rId2"/>
+              </a:rPr>
+              <a:t>https</a:t>
+            </a:r>
+            <a:r>
+              <a:rPr lang="en-GB">
+                <a:hlinkClick r:id="rId2"/>
+              </a:rPr>
+              <a:t>://</a:t>
+            </a:r>
+            <a:r>
+              <a:rPr lang="en-GB" smtClean="0">
+                <a:hlinkClick r:id="rId2"/>
+              </a:rPr>
+              <a:t>github.com/anushamc/foss4guk-django-tenants</a:t>
+            </a:r>
+            <a:r>
+              <a:rPr lang="en-GB" smtClean="0"/>
+              <a:t> </a:t>
             </a:r>
             <a:endParaRPr lang="en-US" dirty="0"/>
           </a:p>
